--- a/portfolio_images/logo-slide.pptx
+++ b/portfolio_images/logo-slide.pptx
@@ -2999,7 +2999,7 @@
         </p:blipFill>
         <p:spPr>
           <a:xfrm>
-            <a:off x="4332399" y="11715330"/>
+            <a:off x="4332399" y="9671377"/>
             <a:ext cx="15465201" cy="3184012"/>
           </a:xfrm>
           <a:prstGeom prst="rect">

--- a/portfolio_images/logo-slide.pptx
+++ b/portfolio_images/logo-slide.pptx
@@ -2999,7 +2999,7 @@
         </p:blipFill>
         <p:spPr>
           <a:xfrm>
-            <a:off x="4332399" y="9671377"/>
+            <a:off x="4332399" y="8622506"/>
             <a:ext cx="15465201" cy="3184012"/>
           </a:xfrm>
           <a:prstGeom prst="rect">
